--- a/Presentaciones/01. Introducción al Framework.pptx
+++ b/Presentaciones/01. Introducción al Framework.pptx
@@ -250,7 +250,7 @@
           <a:p>
             <a:fld id="{01216223-B0E7-47F8-9714-15C9ADFA6964}" type="datetimeFigureOut">
               <a:rPr lang="es-ES"/>
-              <a:t>09/03/2014</a:t>
+              <a:t>16/03/2014</a:t>
             </a:fld>
             <a:endParaRPr lang="es-ES"/>
           </a:p>
@@ -5474,7 +5474,7 @@
           <a:p>
             <a:fld id="{DE356E7A-AD15-4675-84BF-8688EF65EDC5}" type="datetime1">
               <a:rPr lang="es-ES" smtClean="0"/>
-              <a:t>09/03/2014</a:t>
+              <a:t>16/03/2014</a:t>
             </a:fld>
             <a:endParaRPr lang="es-ES"/>
           </a:p>
@@ -5665,7 +5665,7 @@
           <a:p>
             <a:fld id="{18E61CCD-25D6-42E2-A71F-922436BC4D77}" type="datetime1">
               <a:rPr lang="es-ES" smtClean="0"/>
-              <a:t>09/03/2014</a:t>
+              <a:t>16/03/2014</a:t>
             </a:fld>
             <a:endParaRPr lang="es-ES"/>
           </a:p>
@@ -5826,7 +5826,7 @@
           <a:p>
             <a:fld id="{D7BD926C-4A0D-4726-8000-943295F8F41C}" type="datetime1">
               <a:rPr lang="es-ES" smtClean="0"/>
-              <a:t>09/03/2014</a:t>
+              <a:t>16/03/2014</a:t>
             </a:fld>
             <a:endParaRPr lang="es-ES"/>
           </a:p>
@@ -7662,7 +7662,7 @@
           <a:p>
             <a:fld id="{4CA8BA9D-99E2-4936-9A28-F0B802BA4A51}" type="datetime1">
               <a:rPr lang="es-ES" smtClean="0"/>
-              <a:t>09/03/2014</a:t>
+              <a:t>16/03/2014</a:t>
             </a:fld>
             <a:endParaRPr lang="es-ES"/>
           </a:p>
@@ -9542,7 +9542,7 @@
           <a:p>
             <a:fld id="{EA236B96-A7FE-406D-950F-AD5EED6CA056}" type="datetime1">
               <a:rPr lang="es-ES" smtClean="0"/>
-              <a:t>09/03/2014</a:t>
+              <a:t>16/03/2014</a:t>
             </a:fld>
             <a:endParaRPr lang="es-ES"/>
           </a:p>
@@ -9665,7 +9665,7 @@
           <a:p>
             <a:fld id="{B671913E-DF99-4ED9-BC46-2ABAF3E059F2}" type="datetime1">
               <a:rPr lang="es-ES" smtClean="0"/>
-              <a:t>09/03/2014</a:t>
+              <a:t>16/03/2014</a:t>
             </a:fld>
             <a:endParaRPr lang="es-ES"/>
           </a:p>
@@ -10216,7 +10216,7 @@
           <a:p>
             <a:fld id="{8C9879A5-8323-4740-8CF9-2880E88C2217}" type="datetime1">
               <a:rPr lang="es-ES" smtClean="0"/>
-              <a:t>09/03/2014</a:t>
+              <a:t>16/03/2014</a:t>
             </a:fld>
             <a:endParaRPr lang="es-ES"/>
           </a:p>
@@ -10339,7 +10339,7 @@
           <a:p>
             <a:fld id="{B85F4F93-C0E8-433D-96B7-A64CD4BD4E43}" type="datetime1">
               <a:rPr lang="es-ES" smtClean="0"/>
-              <a:t>09/03/2014</a:t>
+              <a:t>16/03/2014</a:t>
             </a:fld>
             <a:endParaRPr lang="es-ES"/>
           </a:p>
@@ -12060,7 +12060,7 @@
           <a:p>
             <a:fld id="{ED99ABD3-6C09-4389-A1D1-C77944A6AD12}" type="datetime1">
               <a:rPr lang="es-ES" smtClean="0"/>
-              <a:t>09/03/2014</a:t>
+              <a:t>16/03/2014</a:t>
             </a:fld>
             <a:endParaRPr lang="es-ES"/>
           </a:p>
@@ -12221,7 +12221,7 @@
           <a:p>
             <a:fld id="{2151712F-2D7D-4E36-AD1D-073955ECB45A}" type="datetime1">
               <a:rPr lang="es-ES" smtClean="0"/>
-              <a:t>09/03/2014</a:t>
+              <a:t>16/03/2014</a:t>
             </a:fld>
             <a:endParaRPr lang="es-ES"/>
           </a:p>
@@ -15846,7 +15846,7 @@
           <a:p>
             <a:fld id="{95C3035D-45C4-4E8C-896D-FC16106C48E8}" type="datetime1">
               <a:rPr lang="es-ES" smtClean="0"/>
-              <a:t>09/03/2014</a:t>
+              <a:t>16/03/2014</a:t>
             </a:fld>
             <a:endParaRPr lang="es-ES"/>
           </a:p>
@@ -17715,7 +17715,7 @@
           <a:p>
             <a:fld id="{28A7085D-92F8-4DC8-90C6-BD2736475C08}" type="datetime1">
               <a:rPr lang="es-ES" smtClean="0"/>
-              <a:t>09/03/2014</a:t>
+              <a:t>16/03/2014</a:t>
             </a:fld>
             <a:endParaRPr lang="es-ES"/>
           </a:p>
@@ -18442,14 +18442,14 @@
           <a:effectLst/>
           <a:extLst>
             <a:ext uri="{909E8E84-426E-40dd-AFC4-6F175D3DCCD1}">
-              <a14:hiddenFill xmlns:a14="http://schemas.microsoft.com/office/drawing/2010/main" xmlns="">
+              <a14:hiddenFill xmlns="" xmlns:a14="http://schemas.microsoft.com/office/drawing/2010/main">
                 <a:solidFill>
                   <a:schemeClr val="accent1"/>
                 </a:solidFill>
               </a14:hiddenFill>
             </a:ext>
             <a:ext uri="{91240B29-F687-4f45-9708-019B960494DF}">
-              <a14:hiddenLine xmlns:a14="http://schemas.microsoft.com/office/drawing/2010/main" xmlns="" w="9525">
+              <a14:hiddenLine xmlns="" xmlns:a14="http://schemas.microsoft.com/office/drawing/2010/main" w="9525">
                 <a:solidFill>
                   <a:schemeClr val="tx1"/>
                 </a:solidFill>
@@ -18459,7 +18459,7 @@
               </a14:hiddenLine>
             </a:ext>
             <a:ext uri="{AF507438-7753-43e0-B8FC-AC1667EBCBE1}">
-              <a14:hiddenEffects xmlns:a14="http://schemas.microsoft.com/office/drawing/2010/main" xmlns="">
+              <a14:hiddenEffects xmlns="" xmlns:a14="http://schemas.microsoft.com/office/drawing/2010/main">
                 <a:effectLst>
                   <a:outerShdw dist="35921" dir="2700000" algn="ctr" rotWithShape="0">
                     <a:schemeClr val="bg2"/>
@@ -18502,7 +18502,7 @@
           <a:noFill/>
           <a:extLst>
             <a:ext uri="{909E8E84-426E-40dd-AFC4-6F175D3DCCD1}">
-              <a14:hiddenFill xmlns:a14="http://schemas.microsoft.com/office/drawing/2010/main" xmlns="">
+              <a14:hiddenFill xmlns="" xmlns:a14="http://schemas.microsoft.com/office/drawing/2010/main">
                 <a:solidFill>
                   <a:srgbClr val="FFFFFF"/>
                 </a:solidFill>
@@ -18543,7 +18543,7 @@
           <a:noFill/>
           <a:extLst>
             <a:ext uri="{909E8E84-426E-40dd-AFC4-6F175D3DCCD1}">
-              <a14:hiddenFill xmlns:a14="http://schemas.microsoft.com/office/drawing/2010/main" xmlns="">
+              <a14:hiddenFill xmlns="" xmlns:a14="http://schemas.microsoft.com/office/drawing/2010/main">
                 <a:solidFill>
                   <a:srgbClr val="FFFFFF"/>
                 </a:solidFill>
@@ -18569,7 +18569,7 @@
           <a:p>
             <a:fld id="{D3FDCD38-954B-41BA-AEA5-E2377DD4D635}" type="datetime1">
               <a:rPr lang="es-ES" smtClean="0"/>
-              <a:t>09/03/2014</a:t>
+              <a:t>16/03/2014</a:t>
             </a:fld>
             <a:endParaRPr lang="es-ES"/>
           </a:p>
@@ -18883,14 +18883,14 @@
           <a:effectLst/>
           <a:extLst>
             <a:ext uri="{909E8E84-426E-40dd-AFC4-6F175D3DCCD1}">
-              <a14:hiddenFill xmlns:a14="http://schemas.microsoft.com/office/drawing/2010/main" xmlns="">
+              <a14:hiddenFill xmlns="" xmlns:a14="http://schemas.microsoft.com/office/drawing/2010/main">
                 <a:solidFill>
                   <a:schemeClr val="accent1"/>
                 </a:solidFill>
               </a14:hiddenFill>
             </a:ext>
             <a:ext uri="{91240B29-F687-4f45-9708-019B960494DF}">
-              <a14:hiddenLine xmlns:a14="http://schemas.microsoft.com/office/drawing/2010/main" xmlns="" w="9525">
+              <a14:hiddenLine xmlns="" xmlns:a14="http://schemas.microsoft.com/office/drawing/2010/main" w="9525">
                 <a:solidFill>
                   <a:schemeClr val="tx1"/>
                 </a:solidFill>
@@ -18900,7 +18900,7 @@
               </a14:hiddenLine>
             </a:ext>
             <a:ext uri="{AF507438-7753-43e0-B8FC-AC1667EBCBE1}">
-              <a14:hiddenEffects xmlns:a14="http://schemas.microsoft.com/office/drawing/2010/main" xmlns="">
+              <a14:hiddenEffects xmlns="" xmlns:a14="http://schemas.microsoft.com/office/drawing/2010/main">
                 <a:effectLst>
                   <a:outerShdw dist="35921" dir="2700000" algn="ctr" rotWithShape="0">
                     <a:schemeClr val="bg2"/>
@@ -18928,7 +18928,7 @@
           <a:p>
             <a:fld id="{0D01AF89-B81D-426D-8249-EC82EBE68533}" type="datetime1">
               <a:rPr lang="es-ES" smtClean="0"/>
-              <a:t>09/03/2014</a:t>
+              <a:t>16/03/2014</a:t>
             </a:fld>
             <a:endParaRPr lang="es-ES"/>
           </a:p>
@@ -19198,14 +19198,14 @@
           <a:effectLst/>
           <a:extLst>
             <a:ext uri="{909E8E84-426E-40dd-AFC4-6F175D3DCCD1}">
-              <a14:hiddenFill xmlns:a14="http://schemas.microsoft.com/office/drawing/2010/main" xmlns="">
+              <a14:hiddenFill xmlns="" xmlns:a14="http://schemas.microsoft.com/office/drawing/2010/main">
                 <a:solidFill>
                   <a:schemeClr val="accent1"/>
                 </a:solidFill>
               </a14:hiddenFill>
             </a:ext>
             <a:ext uri="{91240B29-F687-4f45-9708-019B960494DF}">
-              <a14:hiddenLine xmlns:a14="http://schemas.microsoft.com/office/drawing/2010/main" xmlns="" w="9525">
+              <a14:hiddenLine xmlns="" xmlns:a14="http://schemas.microsoft.com/office/drawing/2010/main" w="9525">
                 <a:solidFill>
                   <a:schemeClr val="tx1"/>
                 </a:solidFill>
@@ -19215,7 +19215,7 @@
               </a14:hiddenLine>
             </a:ext>
             <a:ext uri="{AF507438-7753-43e0-B8FC-AC1667EBCBE1}">
-              <a14:hiddenEffects xmlns:a14="http://schemas.microsoft.com/office/drawing/2010/main" xmlns="">
+              <a14:hiddenEffects xmlns="" xmlns:a14="http://schemas.microsoft.com/office/drawing/2010/main">
                 <a:effectLst>
                   <a:outerShdw dist="35921" dir="2700000" algn="ctr" rotWithShape="0">
                     <a:schemeClr val="bg2"/>
@@ -19243,7 +19243,7 @@
           <a:p>
             <a:fld id="{A86D687E-17CF-49B6-933F-F630EDE9918A}" type="datetime1">
               <a:rPr lang="es-ES" smtClean="0"/>
-              <a:t>09/03/2014</a:t>
+              <a:t>16/03/2014</a:t>
             </a:fld>
             <a:endParaRPr lang="es-ES"/>
           </a:p>
@@ -19439,7 +19439,7 @@
           <a:noFill/>
           <a:extLst>
             <a:ext uri="{909E8E84-426E-40dd-AFC4-6F175D3DCCD1}">
-              <a14:hiddenFill xmlns:a14="http://schemas.microsoft.com/office/drawing/2010/main" xmlns="">
+              <a14:hiddenFill xmlns="" xmlns:a14="http://schemas.microsoft.com/office/drawing/2010/main">
                 <a:solidFill>
                   <a:srgbClr val="FFFFFF"/>
                 </a:solidFill>
@@ -19465,7 +19465,7 @@
           <a:p>
             <a:fld id="{CFF3B8BD-83B5-424F-B613-D8CFC4B7E206}" type="datetime1">
               <a:rPr lang="es-ES" smtClean="0"/>
-              <a:t>09/03/2014</a:t>
+              <a:t>16/03/2014</a:t>
             </a:fld>
             <a:endParaRPr lang="es-ES"/>
           </a:p>
@@ -19614,14 +19614,14 @@
           <a:effectLst/>
           <a:extLst>
             <a:ext uri="{909E8E84-426E-40dd-AFC4-6F175D3DCCD1}">
-              <a14:hiddenFill xmlns:a14="http://schemas.microsoft.com/office/drawing/2010/main" xmlns="">
+              <a14:hiddenFill xmlns="" xmlns:a14="http://schemas.microsoft.com/office/drawing/2010/main">
                 <a:solidFill>
                   <a:schemeClr val="accent1"/>
                 </a:solidFill>
               </a14:hiddenFill>
             </a:ext>
             <a:ext uri="{91240B29-F687-4f45-9708-019B960494DF}">
-              <a14:hiddenLine xmlns:a14="http://schemas.microsoft.com/office/drawing/2010/main" xmlns="" w="9525">
+              <a14:hiddenLine xmlns="" xmlns:a14="http://schemas.microsoft.com/office/drawing/2010/main" w="9525">
                 <a:solidFill>
                   <a:schemeClr val="tx1"/>
                 </a:solidFill>
@@ -19631,7 +19631,7 @@
               </a14:hiddenLine>
             </a:ext>
             <a:ext uri="{AF507438-7753-43e0-B8FC-AC1667EBCBE1}">
-              <a14:hiddenEffects xmlns:a14="http://schemas.microsoft.com/office/drawing/2010/main" xmlns="">
+              <a14:hiddenEffects xmlns="" xmlns:a14="http://schemas.microsoft.com/office/drawing/2010/main">
                 <a:effectLst>
                   <a:outerShdw dist="35921" dir="2700000" algn="ctr" rotWithShape="0">
                     <a:schemeClr val="bg2"/>
@@ -19650,7 +19650,7 @@
         </p:nvSpPr>
         <p:spPr>
           <a:xfrm>
-            <a:off x="1403648" y="2204864"/>
+            <a:off x="1442579" y="1952836"/>
             <a:ext cx="6192688" cy="3528392"/>
           </a:xfrm>
           <a:prstGeom prst="roundRect">
@@ -19703,7 +19703,7 @@
           <a:p>
             <a:fld id="{5D437209-03B1-46F1-9002-27EC3B4FFF8D}" type="datetime1">
               <a:rPr lang="es-ES" smtClean="0"/>
-              <a:t>09/03/2014</a:t>
+              <a:t>16/03/2014</a:t>
             </a:fld>
             <a:endParaRPr lang="es-ES"/>
           </a:p>
@@ -20343,7 +20343,7 @@
           <a:p>
             <a:fld id="{93D87A98-A1A1-42EF-9076-95C0AC236735}" type="datetime1">
               <a:rPr lang="es-ES" smtClean="0"/>
-              <a:t>09/03/2014</a:t>
+              <a:t>16/03/2014</a:t>
             </a:fld>
             <a:endParaRPr lang="es-ES"/>
           </a:p>
@@ -20522,7 +20522,7 @@
           <a:noFill/>
           <a:extLst>
             <a:ext uri="{909E8E84-426E-40dd-AFC4-6F175D3DCCD1}">
-              <a14:hiddenFill xmlns:a14="http://schemas.microsoft.com/office/drawing/2010/main" xmlns="">
+              <a14:hiddenFill xmlns="" xmlns:a14="http://schemas.microsoft.com/office/drawing/2010/main">
                 <a:solidFill>
                   <a:srgbClr val="FFFFFF"/>
                 </a:solidFill>
@@ -20548,7 +20548,7 @@
           <a:p>
             <a:fld id="{C3C77AC2-EF4E-4156-BBE2-ACD14F22D421}" type="datetime1">
               <a:rPr lang="es-ES" smtClean="0"/>
-              <a:t>09/03/2014</a:t>
+              <a:t>16/03/2014</a:t>
             </a:fld>
             <a:endParaRPr lang="es-ES"/>
           </a:p>
@@ -20726,7 +20726,7 @@
           <a:p>
             <a:fld id="{F4F6C852-93A6-4B46-A52A-89FB9FB3B9CA}" type="datetime1">
               <a:rPr lang="es-ES" smtClean="0"/>
-              <a:t>09/03/2014</a:t>
+              <a:t>16/03/2014</a:t>
             </a:fld>
             <a:endParaRPr lang="es-ES"/>
           </a:p>
@@ -20941,14 +20941,14 @@
           <a:effectLst/>
           <a:extLst>
             <a:ext uri="{909E8E84-426E-40dd-AFC4-6F175D3DCCD1}">
-              <a14:hiddenFill xmlns:a14="http://schemas.microsoft.com/office/drawing/2010/main" xmlns="">
+              <a14:hiddenFill xmlns="" xmlns:a14="http://schemas.microsoft.com/office/drawing/2010/main">
                 <a:solidFill>
                   <a:schemeClr val="accent1"/>
                 </a:solidFill>
               </a14:hiddenFill>
             </a:ext>
             <a:ext uri="{91240B29-F687-4f45-9708-019B960494DF}">
-              <a14:hiddenLine xmlns:a14="http://schemas.microsoft.com/office/drawing/2010/main" xmlns="" w="9525">
+              <a14:hiddenLine xmlns="" xmlns:a14="http://schemas.microsoft.com/office/drawing/2010/main" w="9525">
                 <a:solidFill>
                   <a:schemeClr val="tx1"/>
                 </a:solidFill>
@@ -20958,7 +20958,7 @@
               </a14:hiddenLine>
             </a:ext>
             <a:ext uri="{AF507438-7753-43e0-B8FC-AC1667EBCBE1}">
-              <a14:hiddenEffects xmlns:a14="http://schemas.microsoft.com/office/drawing/2010/main" xmlns="">
+              <a14:hiddenEffects xmlns="" xmlns:a14="http://schemas.microsoft.com/office/drawing/2010/main">
                 <a:effectLst>
                   <a:outerShdw dist="35921" dir="2700000" algn="ctr" rotWithShape="0">
                     <a:schemeClr val="bg2"/>
@@ -20986,7 +20986,7 @@
           <a:p>
             <a:fld id="{C549A901-D9F7-4763-801D-AD7EA2CE63FA}" type="datetime1">
               <a:rPr lang="es-ES" smtClean="0"/>
-              <a:t>09/03/2014</a:t>
+              <a:t>16/03/2014</a:t>
             </a:fld>
             <a:endParaRPr lang="es-ES"/>
           </a:p>
@@ -21239,14 +21239,14 @@
           <a:effectLst/>
           <a:extLst>
             <a:ext uri="{909E8E84-426E-40dd-AFC4-6F175D3DCCD1}">
-              <a14:hiddenFill xmlns:a14="http://schemas.microsoft.com/office/drawing/2010/main" xmlns="">
+              <a14:hiddenFill xmlns="" xmlns:a14="http://schemas.microsoft.com/office/drawing/2010/main">
                 <a:solidFill>
                   <a:schemeClr val="accent1"/>
                 </a:solidFill>
               </a14:hiddenFill>
             </a:ext>
             <a:ext uri="{91240B29-F687-4f45-9708-019B960494DF}">
-              <a14:hiddenLine xmlns:a14="http://schemas.microsoft.com/office/drawing/2010/main" xmlns="" w="9525">
+              <a14:hiddenLine xmlns="" xmlns:a14="http://schemas.microsoft.com/office/drawing/2010/main" w="9525">
                 <a:solidFill>
                   <a:schemeClr val="tx1"/>
                 </a:solidFill>
@@ -21256,7 +21256,7 @@
               </a14:hiddenLine>
             </a:ext>
             <a:ext uri="{AF507438-7753-43e0-B8FC-AC1667EBCBE1}">
-              <a14:hiddenEffects xmlns:a14="http://schemas.microsoft.com/office/drawing/2010/main" xmlns="">
+              <a14:hiddenEffects xmlns="" xmlns:a14="http://schemas.microsoft.com/office/drawing/2010/main">
                 <a:effectLst>
                   <a:outerShdw dist="35921" dir="2700000" algn="ctr" rotWithShape="0">
                     <a:schemeClr val="bg2"/>
@@ -21284,7 +21284,7 @@
           <a:p>
             <a:fld id="{3B29C2CE-753B-470F-A1DE-00EF38FCF8AE}" type="datetime1">
               <a:rPr lang="es-ES" smtClean="0"/>
-              <a:t>09/03/2014</a:t>
+              <a:t>16/03/2014</a:t>
             </a:fld>
             <a:endParaRPr lang="es-ES"/>
           </a:p>
@@ -21672,7 +21672,7 @@
           <a:p>
             <a:fld id="{3C0AD4A5-9B14-4C3B-8D54-EEBBC30AAC6A}" type="datetime1">
               <a:rPr lang="es-ES" smtClean="0"/>
-              <a:t>09/03/2014</a:t>
+              <a:t>16/03/2014</a:t>
             </a:fld>
             <a:endParaRPr lang="es-ES"/>
           </a:p>
@@ -21757,7 +21757,7 @@
           <a:noFill/>
           <a:extLst>
             <a:ext uri="{909E8E84-426E-40dd-AFC4-6F175D3DCCD1}">
-              <a14:hiddenFill xmlns:a14="http://schemas.microsoft.com/office/drawing/2010/main" xmlns="">
+              <a14:hiddenFill xmlns="" xmlns:a14="http://schemas.microsoft.com/office/drawing/2010/main">
                 <a:solidFill>
                   <a:srgbClr val="FFFFFF"/>
                 </a:solidFill>
@@ -22087,7 +22087,7 @@
           <a:p>
             <a:fld id="{4CA8BA9D-99E2-4936-9A28-F0B802BA4A51}" type="datetime1">
               <a:rPr lang="es-ES" smtClean="0"/>
-              <a:t>09/03/2014</a:t>
+              <a:t>16/03/2014</a:t>
             </a:fld>
             <a:endParaRPr lang="es-ES"/>
           </a:p>
@@ -22263,7 +22263,7 @@
           <a:p>
             <a:fld id="{2C00745F-DED0-4D47-B6DA-7CF3D7FAA587}" type="datetime1">
               <a:rPr lang="es-ES" smtClean="0"/>
-              <a:t>09/03/2014</a:t>
+              <a:t>16/03/2014</a:t>
             </a:fld>
             <a:endParaRPr lang="es-ES"/>
           </a:p>
@@ -22522,14 +22522,14 @@
           <a:effectLst/>
           <a:extLst>
             <a:ext uri="{909E8E84-426E-40dd-AFC4-6F175D3DCCD1}">
-              <a14:hiddenFill xmlns:a14="http://schemas.microsoft.com/office/drawing/2010/main" xmlns="">
+              <a14:hiddenFill xmlns="" xmlns:a14="http://schemas.microsoft.com/office/drawing/2010/main">
                 <a:solidFill>
                   <a:schemeClr val="accent1"/>
                 </a:solidFill>
               </a14:hiddenFill>
             </a:ext>
             <a:ext uri="{91240B29-F687-4f45-9708-019B960494DF}">
-              <a14:hiddenLine xmlns:a14="http://schemas.microsoft.com/office/drawing/2010/main" xmlns="" w="9525">
+              <a14:hiddenLine xmlns="" xmlns:a14="http://schemas.microsoft.com/office/drawing/2010/main" w="9525">
                 <a:solidFill>
                   <a:schemeClr val="tx1"/>
                 </a:solidFill>
@@ -22539,7 +22539,7 @@
               </a14:hiddenLine>
             </a:ext>
             <a:ext uri="{AF507438-7753-43e0-B8FC-AC1667EBCBE1}">
-              <a14:hiddenEffects xmlns:a14="http://schemas.microsoft.com/office/drawing/2010/main" xmlns="">
+              <a14:hiddenEffects xmlns="" xmlns:a14="http://schemas.microsoft.com/office/drawing/2010/main">
                 <a:effectLst>
                   <a:outerShdw dist="35921" dir="2700000" algn="ctr" rotWithShape="0">
                     <a:schemeClr val="bg2"/>
@@ -22567,7 +22567,7 @@
           <a:p>
             <a:fld id="{77B7A3E8-9E70-48F5-9E7B-A7EE4B66CE9A}" type="datetime1">
               <a:rPr lang="es-ES" smtClean="0"/>
-              <a:t>09/03/2014</a:t>
+              <a:t>16/03/2014</a:t>
             </a:fld>
             <a:endParaRPr lang="es-ES"/>
           </a:p>
@@ -22824,14 +22824,14 @@
           <a:effectLst/>
           <a:extLst>
             <a:ext uri="{909E8E84-426E-40dd-AFC4-6F175D3DCCD1}">
-              <a14:hiddenFill xmlns:a14="http://schemas.microsoft.com/office/drawing/2010/main" xmlns="">
+              <a14:hiddenFill xmlns="" xmlns:a14="http://schemas.microsoft.com/office/drawing/2010/main">
                 <a:solidFill>
                   <a:schemeClr val="accent1"/>
                 </a:solidFill>
               </a14:hiddenFill>
             </a:ext>
             <a:ext uri="{91240B29-F687-4f45-9708-019B960494DF}">
-              <a14:hiddenLine xmlns:a14="http://schemas.microsoft.com/office/drawing/2010/main" xmlns="" w="9525">
+              <a14:hiddenLine xmlns="" xmlns:a14="http://schemas.microsoft.com/office/drawing/2010/main" w="9525">
                 <a:solidFill>
                   <a:schemeClr val="tx1"/>
                 </a:solidFill>
@@ -22841,7 +22841,7 @@
               </a14:hiddenLine>
             </a:ext>
             <a:ext uri="{AF507438-7753-43e0-B8FC-AC1667EBCBE1}">
-              <a14:hiddenEffects xmlns:a14="http://schemas.microsoft.com/office/drawing/2010/main" xmlns="">
+              <a14:hiddenEffects xmlns="" xmlns:a14="http://schemas.microsoft.com/office/drawing/2010/main">
                 <a:effectLst>
                   <a:outerShdw dist="35921" dir="2700000" algn="ctr" rotWithShape="0">
                     <a:schemeClr val="bg2"/>
@@ -22869,7 +22869,7 @@
           <a:p>
             <a:fld id="{6F0A65D9-44CF-495F-8427-8BCF9FD424E7}" type="datetime1">
               <a:rPr lang="es-ES" smtClean="0"/>
-              <a:t>09/03/2014</a:t>
+              <a:t>16/03/2014</a:t>
             </a:fld>
             <a:endParaRPr lang="es-ES"/>
           </a:p>
@@ -23344,7 +23344,7 @@
           <a:p>
             <a:fld id="{777FF57B-BB2F-4DE5-9591-D075509D1FA0}" type="datetime1">
               <a:rPr lang="es-ES" smtClean="0"/>
-              <a:t>09/03/2014</a:t>
+              <a:t>16/03/2014</a:t>
             </a:fld>
             <a:endParaRPr lang="es-ES"/>
           </a:p>
@@ -23527,14 +23527,14 @@
           <a:effectLst/>
           <a:extLst>
             <a:ext uri="{909E8E84-426E-40dd-AFC4-6F175D3DCCD1}">
-              <a14:hiddenFill xmlns:a14="http://schemas.microsoft.com/office/drawing/2010/main" xmlns="">
+              <a14:hiddenFill xmlns="" xmlns:a14="http://schemas.microsoft.com/office/drawing/2010/main">
                 <a:solidFill>
                   <a:schemeClr val="accent1"/>
                 </a:solidFill>
               </a14:hiddenFill>
             </a:ext>
             <a:ext uri="{91240B29-F687-4f45-9708-019B960494DF}">
-              <a14:hiddenLine xmlns:a14="http://schemas.microsoft.com/office/drawing/2010/main" xmlns="" w="9525">
+              <a14:hiddenLine xmlns="" xmlns:a14="http://schemas.microsoft.com/office/drawing/2010/main" w="9525">
                 <a:solidFill>
                   <a:schemeClr val="tx1"/>
                 </a:solidFill>
@@ -23544,7 +23544,7 @@
               </a14:hiddenLine>
             </a:ext>
             <a:ext uri="{AF507438-7753-43e0-B8FC-AC1667EBCBE1}">
-              <a14:hiddenEffects xmlns:a14="http://schemas.microsoft.com/office/drawing/2010/main" xmlns="">
+              <a14:hiddenEffects xmlns="" xmlns:a14="http://schemas.microsoft.com/office/drawing/2010/main">
                 <a:effectLst>
                   <a:outerShdw dist="35921" dir="2700000" algn="ctr" rotWithShape="0">
                     <a:schemeClr val="bg2"/>
@@ -23591,14 +23591,14 @@
           <a:effectLst/>
           <a:extLst>
             <a:ext uri="{909E8E84-426E-40dd-AFC4-6F175D3DCCD1}">
-              <a14:hiddenFill xmlns:a14="http://schemas.microsoft.com/office/drawing/2010/main" xmlns="">
+              <a14:hiddenFill xmlns="" xmlns:a14="http://schemas.microsoft.com/office/drawing/2010/main">
                 <a:solidFill>
                   <a:schemeClr val="accent1"/>
                 </a:solidFill>
               </a14:hiddenFill>
             </a:ext>
             <a:ext uri="{91240B29-F687-4f45-9708-019B960494DF}">
-              <a14:hiddenLine xmlns:a14="http://schemas.microsoft.com/office/drawing/2010/main" xmlns="" w="9525">
+              <a14:hiddenLine xmlns="" xmlns:a14="http://schemas.microsoft.com/office/drawing/2010/main" w="9525">
                 <a:solidFill>
                   <a:schemeClr val="tx1"/>
                 </a:solidFill>
@@ -23608,7 +23608,7 @@
               </a14:hiddenLine>
             </a:ext>
             <a:ext uri="{AF507438-7753-43e0-B8FC-AC1667EBCBE1}">
-              <a14:hiddenEffects xmlns:a14="http://schemas.microsoft.com/office/drawing/2010/main" xmlns="">
+              <a14:hiddenEffects xmlns="" xmlns:a14="http://schemas.microsoft.com/office/drawing/2010/main">
                 <a:effectLst>
                   <a:outerShdw dist="35921" dir="2700000" algn="ctr" rotWithShape="0">
                     <a:schemeClr val="bg2"/>
@@ -23636,7 +23636,7 @@
           <a:p>
             <a:fld id="{A080E0A0-9723-4DFA-902C-8F93D7133E1E}" type="datetime1">
               <a:rPr lang="es-ES" smtClean="0"/>
-              <a:t>09/03/2014</a:t>
+              <a:t>16/03/2014</a:t>
             </a:fld>
             <a:endParaRPr lang="es-ES"/>
           </a:p>
@@ -23789,14 +23789,14 @@
           <a:effectLst/>
           <a:extLst>
             <a:ext uri="{909E8E84-426E-40dd-AFC4-6F175D3DCCD1}">
-              <a14:hiddenFill xmlns:a14="http://schemas.microsoft.com/office/drawing/2010/main" xmlns="">
+              <a14:hiddenFill xmlns="" xmlns:a14="http://schemas.microsoft.com/office/drawing/2010/main">
                 <a:solidFill>
                   <a:schemeClr val="accent1"/>
                 </a:solidFill>
               </a14:hiddenFill>
             </a:ext>
             <a:ext uri="{91240B29-F687-4f45-9708-019B960494DF}">
-              <a14:hiddenLine xmlns:a14="http://schemas.microsoft.com/office/drawing/2010/main" xmlns="" w="9525">
+              <a14:hiddenLine xmlns="" xmlns:a14="http://schemas.microsoft.com/office/drawing/2010/main" w="9525">
                 <a:solidFill>
                   <a:schemeClr val="tx1"/>
                 </a:solidFill>
@@ -23806,7 +23806,7 @@
               </a14:hiddenLine>
             </a:ext>
             <a:ext uri="{AF507438-7753-43e0-B8FC-AC1667EBCBE1}">
-              <a14:hiddenEffects xmlns:a14="http://schemas.microsoft.com/office/drawing/2010/main" xmlns="">
+              <a14:hiddenEffects xmlns="" xmlns:a14="http://schemas.microsoft.com/office/drawing/2010/main">
                 <a:effectLst>
                   <a:outerShdw dist="35921" dir="2700000" algn="ctr" rotWithShape="0">
                     <a:schemeClr val="bg2"/>
@@ -23853,14 +23853,14 @@
           <a:effectLst/>
           <a:extLst>
             <a:ext uri="{909E8E84-426E-40dd-AFC4-6F175D3DCCD1}">
-              <a14:hiddenFill xmlns:a14="http://schemas.microsoft.com/office/drawing/2010/main" xmlns="">
+              <a14:hiddenFill xmlns="" xmlns:a14="http://schemas.microsoft.com/office/drawing/2010/main">
                 <a:solidFill>
                   <a:schemeClr val="accent1"/>
                 </a:solidFill>
               </a14:hiddenFill>
             </a:ext>
             <a:ext uri="{91240B29-F687-4f45-9708-019B960494DF}">
-              <a14:hiddenLine xmlns:a14="http://schemas.microsoft.com/office/drawing/2010/main" xmlns="" w="9525">
+              <a14:hiddenLine xmlns="" xmlns:a14="http://schemas.microsoft.com/office/drawing/2010/main" w="9525">
                 <a:solidFill>
                   <a:schemeClr val="tx1"/>
                 </a:solidFill>
@@ -23870,7 +23870,7 @@
               </a14:hiddenLine>
             </a:ext>
             <a:ext uri="{AF507438-7753-43e0-B8FC-AC1667EBCBE1}">
-              <a14:hiddenEffects xmlns:a14="http://schemas.microsoft.com/office/drawing/2010/main" xmlns="">
+              <a14:hiddenEffects xmlns="" xmlns:a14="http://schemas.microsoft.com/office/drawing/2010/main">
                 <a:effectLst>
                   <a:outerShdw dist="35921" dir="2700000" algn="ctr" rotWithShape="0">
                     <a:schemeClr val="bg2"/>
@@ -23993,14 +23993,14 @@
           <a:effectLst/>
           <a:extLst>
             <a:ext uri="{909E8E84-426E-40dd-AFC4-6F175D3DCCD1}">
-              <a14:hiddenFill xmlns:a14="http://schemas.microsoft.com/office/drawing/2010/main" xmlns="">
+              <a14:hiddenFill xmlns="" xmlns:a14="http://schemas.microsoft.com/office/drawing/2010/main">
                 <a:solidFill>
                   <a:schemeClr val="accent1"/>
                 </a:solidFill>
               </a14:hiddenFill>
             </a:ext>
             <a:ext uri="{91240B29-F687-4f45-9708-019B960494DF}">
-              <a14:hiddenLine xmlns:a14="http://schemas.microsoft.com/office/drawing/2010/main" xmlns="" w="9525">
+              <a14:hiddenLine xmlns="" xmlns:a14="http://schemas.microsoft.com/office/drawing/2010/main" w="9525">
                 <a:solidFill>
                   <a:schemeClr val="tx1"/>
                 </a:solidFill>
@@ -24010,7 +24010,7 @@
               </a14:hiddenLine>
             </a:ext>
             <a:ext uri="{AF507438-7753-43e0-B8FC-AC1667EBCBE1}">
-              <a14:hiddenEffects xmlns:a14="http://schemas.microsoft.com/office/drawing/2010/main" xmlns="">
+              <a14:hiddenEffects xmlns="" xmlns:a14="http://schemas.microsoft.com/office/drawing/2010/main">
                 <a:effectLst>
                   <a:outerShdw dist="35921" dir="2700000" algn="ctr" rotWithShape="0">
                     <a:schemeClr val="bg2"/>
@@ -24112,7 +24112,7 @@
           <a:p>
             <a:fld id="{2BD6A2A0-C44B-4093-B15B-C4971115E9AA}" type="datetime1">
               <a:rPr lang="es-ES" smtClean="0"/>
-              <a:t>09/03/2014</a:t>
+              <a:t>16/03/2014</a:t>
             </a:fld>
             <a:endParaRPr lang="es-ES"/>
           </a:p>
@@ -24342,7 +24342,7 @@
           <a:noFill/>
           <a:extLst>
             <a:ext uri="{909E8E84-426E-40dd-AFC4-6F175D3DCCD1}">
-              <a14:hiddenFill xmlns:a14="http://schemas.microsoft.com/office/drawing/2010/main" xmlns="">
+              <a14:hiddenFill xmlns="" xmlns:a14="http://schemas.microsoft.com/office/drawing/2010/main">
                 <a:solidFill>
                   <a:srgbClr val="FFFFFF"/>
                 </a:solidFill>
@@ -24368,7 +24368,7 @@
           <a:p>
             <a:fld id="{CCF7B400-540A-4298-A16E-19534B48BAB1}" type="datetime1">
               <a:rPr lang="es-ES" smtClean="0"/>
-              <a:t>09/03/2014</a:t>
+              <a:t>16/03/2014</a:t>
             </a:fld>
             <a:endParaRPr lang="es-ES"/>
           </a:p>
@@ -24562,7 +24562,7 @@
           <a:p>
             <a:fld id="{00F0DCC7-8544-46BA-A6C5-A48A719836D8}" type="datetime1">
               <a:rPr lang="es-ES" smtClean="0"/>
-              <a:t>09/03/2014</a:t>
+              <a:t>16/03/2014</a:t>
             </a:fld>
             <a:endParaRPr lang="es-ES"/>
           </a:p>
@@ -24817,7 +24817,7 @@
         </p:blipFill>
         <p:spPr bwMode="auto">
           <a:xfrm>
-            <a:off x="6012160" y="2441038"/>
+            <a:off x="6065283" y="2331628"/>
             <a:ext cx="1672125" cy="1743279"/>
           </a:xfrm>
           <a:prstGeom prst="rect">
@@ -24830,14 +24830,14 @@
           <a:effectLst/>
           <a:extLst>
             <a:ext uri="{909E8E84-426E-40dd-AFC4-6F175D3DCCD1}">
-              <a14:hiddenFill xmlns:a14="http://schemas.microsoft.com/office/drawing/2010/main" xmlns="">
+              <a14:hiddenFill xmlns="" xmlns:a14="http://schemas.microsoft.com/office/drawing/2010/main">
                 <a:solidFill>
                   <a:schemeClr val="accent1"/>
                 </a:solidFill>
               </a14:hiddenFill>
             </a:ext>
             <a:ext uri="{91240B29-F687-4f45-9708-019B960494DF}">
-              <a14:hiddenLine xmlns:a14="http://schemas.microsoft.com/office/drawing/2010/main" xmlns="" w="9525">
+              <a14:hiddenLine xmlns="" xmlns:a14="http://schemas.microsoft.com/office/drawing/2010/main" w="9525">
                 <a:solidFill>
                   <a:schemeClr val="tx1"/>
                 </a:solidFill>
@@ -24847,7 +24847,7 @@
               </a14:hiddenLine>
             </a:ext>
             <a:ext uri="{AF507438-7753-43e0-B8FC-AC1667EBCBE1}">
-              <a14:hiddenEffects xmlns:a14="http://schemas.microsoft.com/office/drawing/2010/main" xmlns="">
+              <a14:hiddenEffects xmlns="" xmlns:a14="http://schemas.microsoft.com/office/drawing/2010/main">
                 <a:effectLst>
                   <a:outerShdw dist="35921" dir="2700000" algn="ctr" rotWithShape="0">
                     <a:schemeClr val="bg2"/>
@@ -24858,70 +24858,6 @@
           </a:extLst>
         </p:spPr>
       </p:pic>
-      <p:pic>
-        <p:nvPicPr>
-          <p:cNvPr id="1027" name="Picture 3"/>
-          <p:cNvPicPr>
-            <a:picLocks noChangeAspect="1" noChangeArrowheads="1"/>
-          </p:cNvPicPr>
-          <p:nvPr/>
-        </p:nvPicPr>
-        <p:blipFill>
-          <a:blip r:embed="rId4">
-            <a:extLst>
-              <a:ext uri="{28A0092B-C50C-407E-A947-70E740481C1C}">
-                <a14:useLocalDpi xmlns:a14="http://schemas.microsoft.com/office/drawing/2010/main" val="0"/>
-              </a:ext>
-            </a:extLst>
-          </a:blip>
-          <a:srcRect/>
-          <a:stretch>
-            <a:fillRect/>
-          </a:stretch>
-        </p:blipFill>
-        <p:spPr bwMode="auto">
-          <a:xfrm>
-            <a:off x="5580112" y="4509120"/>
-            <a:ext cx="2921873" cy="1801715"/>
-          </a:xfrm>
-          <a:prstGeom prst="rect">
-            <a:avLst/>
-          </a:prstGeom>
-          <a:noFill/>
-          <a:ln>
-            <a:noFill/>
-          </a:ln>
-          <a:effectLst/>
-          <a:extLst>
-            <a:ext uri="{909E8E84-426E-40dd-AFC4-6F175D3DCCD1}">
-              <a14:hiddenFill xmlns:a14="http://schemas.microsoft.com/office/drawing/2010/main" xmlns="">
-                <a:solidFill>
-                  <a:schemeClr val="accent1"/>
-                </a:solidFill>
-              </a14:hiddenFill>
-            </a:ext>
-            <a:ext uri="{91240B29-F687-4f45-9708-019B960494DF}">
-              <a14:hiddenLine xmlns:a14="http://schemas.microsoft.com/office/drawing/2010/main" xmlns="" w="9525">
-                <a:solidFill>
-                  <a:schemeClr val="tx1"/>
-                </a:solidFill>
-                <a:miter lim="800000"/>
-                <a:headEnd/>
-                <a:tailEnd/>
-              </a14:hiddenLine>
-            </a:ext>
-            <a:ext uri="{AF507438-7753-43e0-B8FC-AC1667EBCBE1}">
-              <a14:hiddenEffects xmlns:a14="http://schemas.microsoft.com/office/drawing/2010/main" xmlns="">
-                <a:effectLst>
-                  <a:outerShdw dist="35921" dir="2700000" algn="ctr" rotWithShape="0">
-                    <a:schemeClr val="bg2"/>
-                  </a:outerShdw>
-                </a:effectLst>
-              </a14:hiddenEffects>
-            </a:ext>
-          </a:extLst>
-        </p:spPr>
-      </p:pic>
       <p:sp>
         <p:nvSpPr>
           <p:cNvPr id="4" name="3 Marcador de fecha"/>
@@ -24939,7 +24875,7 @@
           <a:p>
             <a:fld id="{209CC263-6FA5-4CD2-9738-DCA28B52AD99}" type="datetime1">
               <a:rPr lang="es-ES" smtClean="0"/>
-              <a:t>09/03/2014</a:t>
+              <a:t>16/03/2014</a:t>
             </a:fld>
             <a:endParaRPr lang="es-ES"/>
           </a:p>
@@ -24992,6 +24928,30 @@
           </a:p>
         </p:txBody>
       </p:sp>
+      <p:pic>
+        <p:nvPicPr>
+          <p:cNvPr id="7" name="Imagen 6"/>
+          <p:cNvPicPr>
+            <a:picLocks noChangeAspect="1"/>
+          </p:cNvPicPr>
+          <p:nvPr/>
+        </p:nvPicPr>
+        <p:blipFill>
+          <a:blip r:embed="rId4"/>
+          <a:stretch>
+            <a:fillRect/>
+          </a:stretch>
+        </p:blipFill>
+        <p:spPr>
+          <a:xfrm>
+            <a:off x="4990255" y="4237608"/>
+            <a:ext cx="3822179" cy="1904782"/>
+          </a:xfrm>
+          <a:prstGeom prst="rect">
+            <a:avLst/>
+          </a:prstGeom>
+        </p:spPr>
+      </p:pic>
     </p:spTree>
     <p:extLst>
       <p:ext uri="{BB962C8B-B14F-4D97-AF65-F5344CB8AC3E}">
@@ -25154,7 +25114,7 @@
           <a:p>
             <a:fld id="{3EE6F952-64E8-4B14-8525-FB0434CDD10E}" type="datetime1">
               <a:rPr lang="es-ES" smtClean="0"/>
-              <a:t>09/03/2014</a:t>
+              <a:t>16/03/2014</a:t>
             </a:fld>
             <a:endParaRPr lang="es-ES"/>
           </a:p>
@@ -25299,7 +25259,7 @@
           <a:noFill/>
           <a:extLst>
             <a:ext uri="{909E8E84-426E-40dd-AFC4-6F175D3DCCD1}">
-              <a14:hiddenFill xmlns:a14="http://schemas.microsoft.com/office/drawing/2010/main" xmlns="">
+              <a14:hiddenFill xmlns="" xmlns:a14="http://schemas.microsoft.com/office/drawing/2010/main">
                 <a:solidFill>
                   <a:srgbClr val="FFFFFF"/>
                 </a:solidFill>
@@ -25340,7 +25300,7 @@
           <a:noFill/>
           <a:extLst>
             <a:ext uri="{909E8E84-426E-40dd-AFC4-6F175D3DCCD1}">
-              <a14:hiddenFill xmlns:a14="http://schemas.microsoft.com/office/drawing/2010/main" xmlns="">
+              <a14:hiddenFill xmlns="" xmlns:a14="http://schemas.microsoft.com/office/drawing/2010/main">
                 <a:solidFill>
                   <a:srgbClr val="FFFFFF"/>
                 </a:solidFill>
@@ -25381,7 +25341,7 @@
           <a:noFill/>
           <a:extLst>
             <a:ext uri="{909E8E84-426E-40dd-AFC4-6F175D3DCCD1}">
-              <a14:hiddenFill xmlns:a14="http://schemas.microsoft.com/office/drawing/2010/main" xmlns="">
+              <a14:hiddenFill xmlns="" xmlns:a14="http://schemas.microsoft.com/office/drawing/2010/main">
                 <a:solidFill>
                   <a:srgbClr val="FFFFFF"/>
                 </a:solidFill>
@@ -25422,7 +25382,7 @@
           <a:noFill/>
           <a:extLst>
             <a:ext uri="{909E8E84-426E-40dd-AFC4-6F175D3DCCD1}">
-              <a14:hiddenFill xmlns:a14="http://schemas.microsoft.com/office/drawing/2010/main" xmlns="">
+              <a14:hiddenFill xmlns="" xmlns:a14="http://schemas.microsoft.com/office/drawing/2010/main">
                 <a:solidFill>
                   <a:srgbClr val="FFFFFF"/>
                 </a:solidFill>
@@ -25463,7 +25423,7 @@
           <a:noFill/>
           <a:extLst>
             <a:ext uri="{909E8E84-426E-40dd-AFC4-6F175D3DCCD1}">
-              <a14:hiddenFill xmlns:a14="http://schemas.microsoft.com/office/drawing/2010/main" xmlns="">
+              <a14:hiddenFill xmlns="" xmlns:a14="http://schemas.microsoft.com/office/drawing/2010/main">
                 <a:solidFill>
                   <a:srgbClr val="FFFFFF"/>
                 </a:solidFill>
@@ -25489,7 +25449,7 @@
           <a:p>
             <a:fld id="{0FC51B25-F219-43F3-B61F-6C280C9B8B5B}" type="datetime1">
               <a:rPr lang="es-ES" smtClean="0"/>
-              <a:t>09/03/2014</a:t>
+              <a:t>16/03/2014</a:t>
             </a:fld>
             <a:endParaRPr lang="es-ES"/>
           </a:p>
@@ -25837,7 +25797,7 @@
           <a:noFill/>
           <a:extLst>
             <a:ext uri="{909E8E84-426E-40dd-AFC4-6F175D3DCCD1}">
-              <a14:hiddenFill xmlns:a14="http://schemas.microsoft.com/office/drawing/2010/main" xmlns="">
+              <a14:hiddenFill xmlns="" xmlns:a14="http://schemas.microsoft.com/office/drawing/2010/main">
                 <a:solidFill>
                   <a:srgbClr val="FFFFFF"/>
                 </a:solidFill>
@@ -25878,7 +25838,7 @@
           <a:noFill/>
           <a:extLst>
             <a:ext uri="{909E8E84-426E-40dd-AFC4-6F175D3DCCD1}">
-              <a14:hiddenFill xmlns:a14="http://schemas.microsoft.com/office/drawing/2010/main" xmlns="">
+              <a14:hiddenFill xmlns="" xmlns:a14="http://schemas.microsoft.com/office/drawing/2010/main">
                 <a:solidFill>
                   <a:srgbClr val="FFFFFF"/>
                 </a:solidFill>
@@ -25919,7 +25879,7 @@
           <a:noFill/>
           <a:extLst>
             <a:ext uri="{909E8E84-426E-40dd-AFC4-6F175D3DCCD1}">
-              <a14:hiddenFill xmlns:a14="http://schemas.microsoft.com/office/drawing/2010/main" xmlns="">
+              <a14:hiddenFill xmlns="" xmlns:a14="http://schemas.microsoft.com/office/drawing/2010/main">
                 <a:solidFill>
                   <a:srgbClr val="FFFFFF"/>
                 </a:solidFill>
@@ -25960,7 +25920,7 @@
           <a:noFill/>
           <a:extLst>
             <a:ext uri="{909E8E84-426E-40dd-AFC4-6F175D3DCCD1}">
-              <a14:hiddenFill xmlns:a14="http://schemas.microsoft.com/office/drawing/2010/main" xmlns="">
+              <a14:hiddenFill xmlns="" xmlns:a14="http://schemas.microsoft.com/office/drawing/2010/main">
                 <a:solidFill>
                   <a:srgbClr val="FFFFFF"/>
                 </a:solidFill>
@@ -26001,7 +25961,7 @@
           <a:noFill/>
           <a:extLst>
             <a:ext uri="{909E8E84-426E-40dd-AFC4-6F175D3DCCD1}">
-              <a14:hiddenFill xmlns:a14="http://schemas.microsoft.com/office/drawing/2010/main" xmlns="">
+              <a14:hiddenFill xmlns="" xmlns:a14="http://schemas.microsoft.com/office/drawing/2010/main">
                 <a:solidFill>
                   <a:srgbClr val="FFFFFF"/>
                 </a:solidFill>
@@ -26042,7 +26002,7 @@
           <a:noFill/>
           <a:extLst>
             <a:ext uri="{909E8E84-426E-40dd-AFC4-6F175D3DCCD1}">
-              <a14:hiddenFill xmlns:a14="http://schemas.microsoft.com/office/drawing/2010/main" xmlns="">
+              <a14:hiddenFill xmlns="" xmlns:a14="http://schemas.microsoft.com/office/drawing/2010/main">
                 <a:solidFill>
                   <a:srgbClr val="FFFFFF"/>
                 </a:solidFill>
@@ -26083,7 +26043,7 @@
           <a:noFill/>
           <a:extLst>
             <a:ext uri="{909E8E84-426E-40dd-AFC4-6F175D3DCCD1}">
-              <a14:hiddenFill xmlns:a14="http://schemas.microsoft.com/office/drawing/2010/main" xmlns="">
+              <a14:hiddenFill xmlns="" xmlns:a14="http://schemas.microsoft.com/office/drawing/2010/main">
                 <a:solidFill>
                   <a:srgbClr val="FFFFFF"/>
                 </a:solidFill>
@@ -26109,7 +26069,7 @@
           <a:p>
             <a:fld id="{5BEB18A8-6A3D-4EBC-9456-B838FEC084AD}" type="datetime1">
               <a:rPr lang="es-ES" smtClean="0"/>
-              <a:t>09/03/2014</a:t>
+              <a:t>16/03/2014</a:t>
             </a:fld>
             <a:endParaRPr lang="es-ES"/>
           </a:p>
@@ -26583,7 +26543,7 @@
           <a:noFill/>
           <a:extLst>
             <a:ext uri="{909E8E84-426E-40dd-AFC4-6F175D3DCCD1}">
-              <a14:hiddenFill xmlns:a14="http://schemas.microsoft.com/office/drawing/2010/main" xmlns="">
+              <a14:hiddenFill xmlns="" xmlns:a14="http://schemas.microsoft.com/office/drawing/2010/main">
                 <a:solidFill>
                   <a:srgbClr val="FFFFFF"/>
                 </a:solidFill>
@@ -26624,7 +26584,7 @@
           <a:noFill/>
           <a:extLst>
             <a:ext uri="{909E8E84-426E-40dd-AFC4-6F175D3DCCD1}">
-              <a14:hiddenFill xmlns:a14="http://schemas.microsoft.com/office/drawing/2010/main" xmlns="">
+              <a14:hiddenFill xmlns="" xmlns:a14="http://schemas.microsoft.com/office/drawing/2010/main">
                 <a:solidFill>
                   <a:srgbClr val="FFFFFF"/>
                 </a:solidFill>
@@ -26650,7 +26610,7 @@
           <a:p>
             <a:fld id="{1C8C2DBF-B96C-4DEE-87D6-D672295FB0B9}" type="datetime1">
               <a:rPr lang="es-ES" smtClean="0"/>
-              <a:t>09/03/2014</a:t>
+              <a:t>16/03/2014</a:t>
             </a:fld>
             <a:endParaRPr lang="es-ES"/>
           </a:p>
@@ -26851,7 +26811,7 @@
           <a:noFill/>
           <a:extLst>
             <a:ext uri="{909E8E84-426E-40dd-AFC4-6F175D3DCCD1}">
-              <a14:hiddenFill xmlns:a14="http://schemas.microsoft.com/office/drawing/2010/main" xmlns="">
+              <a14:hiddenFill xmlns="" xmlns:a14="http://schemas.microsoft.com/office/drawing/2010/main">
                 <a:solidFill>
                   <a:srgbClr val="FFFFFF"/>
                 </a:solidFill>
@@ -26877,7 +26837,7 @@
           <a:p>
             <a:fld id="{EC9D5E5F-4E28-4976-A920-E3BB9CF67D7B}" type="datetime1">
               <a:rPr lang="es-ES" smtClean="0"/>
-              <a:t>09/03/2014</a:t>
+              <a:t>16/03/2014</a:t>
             </a:fld>
             <a:endParaRPr lang="es-ES"/>
           </a:p>
@@ -27169,14 +27129,14 @@
           <a:effectLst/>
           <a:extLst>
             <a:ext uri="{909E8E84-426E-40dd-AFC4-6F175D3DCCD1}">
-              <a14:hiddenFill xmlns:a14="http://schemas.microsoft.com/office/drawing/2010/main" xmlns="">
+              <a14:hiddenFill xmlns="" xmlns:a14="http://schemas.microsoft.com/office/drawing/2010/main">
                 <a:solidFill>
                   <a:schemeClr val="accent1"/>
                 </a:solidFill>
               </a14:hiddenFill>
             </a:ext>
             <a:ext uri="{91240B29-F687-4f45-9708-019B960494DF}">
-              <a14:hiddenLine xmlns:a14="http://schemas.microsoft.com/office/drawing/2010/main" xmlns="" w="9525">
+              <a14:hiddenLine xmlns="" xmlns:a14="http://schemas.microsoft.com/office/drawing/2010/main" w="9525">
                 <a:solidFill>
                   <a:schemeClr val="tx1"/>
                 </a:solidFill>
@@ -27186,7 +27146,7 @@
               </a14:hiddenLine>
             </a:ext>
             <a:ext uri="{AF507438-7753-43e0-B8FC-AC1667EBCBE1}">
-              <a14:hiddenEffects xmlns:a14="http://schemas.microsoft.com/office/drawing/2010/main" xmlns="">
+              <a14:hiddenEffects xmlns="" xmlns:a14="http://schemas.microsoft.com/office/drawing/2010/main">
                 <a:effectLst>
                   <a:outerShdw dist="35921" dir="2700000" algn="ctr" rotWithShape="0">
                     <a:schemeClr val="bg2"/>
@@ -27214,7 +27174,7 @@
           <a:p>
             <a:fld id="{551705FC-F388-471B-81E4-FA35FDF615E0}" type="datetime1">
               <a:rPr lang="es-ES" smtClean="0"/>
-              <a:t>09/03/2014</a:t>
+              <a:t>16/03/2014</a:t>
             </a:fld>
             <a:endParaRPr lang="es-ES"/>
           </a:p>
@@ -27412,7 +27372,7 @@
           <a:noFill/>
           <a:extLst>
             <a:ext uri="{909E8E84-426E-40dd-AFC4-6F175D3DCCD1}">
-              <a14:hiddenFill xmlns:a14="http://schemas.microsoft.com/office/drawing/2010/main" xmlns="">
+              <a14:hiddenFill xmlns="" xmlns:a14="http://schemas.microsoft.com/office/drawing/2010/main">
                 <a:solidFill>
                   <a:srgbClr val="FFFFFF"/>
                 </a:solidFill>
@@ -27453,7 +27413,7 @@
           <a:noFill/>
           <a:extLst>
             <a:ext uri="{909E8E84-426E-40dd-AFC4-6F175D3DCCD1}">
-              <a14:hiddenFill xmlns:a14="http://schemas.microsoft.com/office/drawing/2010/main" xmlns="">
+              <a14:hiddenFill xmlns="" xmlns:a14="http://schemas.microsoft.com/office/drawing/2010/main">
                 <a:solidFill>
                   <a:srgbClr val="FFFFFF"/>
                 </a:solidFill>
@@ -27479,7 +27439,7 @@
           <a:p>
             <a:fld id="{3031D69E-D117-463E-8329-581884E21238}" type="datetime1">
               <a:rPr lang="es-ES" smtClean="0"/>
-              <a:t>09/03/2014</a:t>
+              <a:t>16/03/2014</a:t>
             </a:fld>
             <a:endParaRPr lang="es-ES"/>
           </a:p>
@@ -27624,7 +27584,7 @@
           <a:noFill/>
           <a:extLst>
             <a:ext uri="{909E8E84-426E-40dd-AFC4-6F175D3DCCD1}">
-              <a14:hiddenFill xmlns:a14="http://schemas.microsoft.com/office/drawing/2010/main" xmlns="">
+              <a14:hiddenFill xmlns="" xmlns:a14="http://schemas.microsoft.com/office/drawing/2010/main">
                 <a:solidFill>
                   <a:srgbClr val="FFFFFF"/>
                 </a:solidFill>
@@ -27665,7 +27625,7 @@
           <a:noFill/>
           <a:extLst>
             <a:ext uri="{909E8E84-426E-40dd-AFC4-6F175D3DCCD1}">
-              <a14:hiddenFill xmlns:a14="http://schemas.microsoft.com/office/drawing/2010/main" xmlns="">
+              <a14:hiddenFill xmlns="" xmlns:a14="http://schemas.microsoft.com/office/drawing/2010/main">
                 <a:solidFill>
                   <a:srgbClr val="FFFFFF"/>
                 </a:solidFill>
@@ -27811,7 +27771,7 @@
           <a:p>
             <a:fld id="{1E7BC34B-611C-4416-B01D-DD33C8A1B683}" type="datetime1">
               <a:rPr lang="es-ES" smtClean="0"/>
-              <a:t>09/03/2014</a:t>
+              <a:t>16/03/2014</a:t>
             </a:fld>
             <a:endParaRPr lang="es-ES"/>
           </a:p>
@@ -28041,7 +28001,7 @@
           <a:p>
             <a:fld id="{7E80D84A-CF67-409D-914F-469975F9B1EA}" type="datetime1">
               <a:rPr lang="es-ES" smtClean="0"/>
-              <a:t>09/03/2014</a:t>
+              <a:t>16/03/2014</a:t>
             </a:fld>
             <a:endParaRPr lang="es-ES"/>
           </a:p>
@@ -28347,7 +28307,7 @@
           <a:p>
             <a:fld id="{CB4A27A2-1B52-4688-A1DF-39E8A5DF0585}" type="datetime1">
               <a:rPr lang="es-ES" smtClean="0"/>
-              <a:t>09/03/2014</a:t>
+              <a:t>16/03/2014</a:t>
             </a:fld>
             <a:endParaRPr lang="es-ES"/>
           </a:p>
@@ -28653,14 +28613,14 @@
           <a:effectLst/>
           <a:extLst>
             <a:ext uri="{909E8E84-426E-40dd-AFC4-6F175D3DCCD1}">
-              <a14:hiddenFill xmlns:a14="http://schemas.microsoft.com/office/drawing/2010/main" xmlns="">
+              <a14:hiddenFill xmlns="" xmlns:a14="http://schemas.microsoft.com/office/drawing/2010/main">
                 <a:solidFill>
                   <a:schemeClr val="accent1"/>
                 </a:solidFill>
               </a14:hiddenFill>
             </a:ext>
             <a:ext uri="{91240B29-F687-4f45-9708-019B960494DF}">
-              <a14:hiddenLine xmlns:a14="http://schemas.microsoft.com/office/drawing/2010/main" xmlns="" w="9525">
+              <a14:hiddenLine xmlns="" xmlns:a14="http://schemas.microsoft.com/office/drawing/2010/main" w="9525">
                 <a:solidFill>
                   <a:schemeClr val="tx1"/>
                 </a:solidFill>
@@ -28670,7 +28630,7 @@
               </a14:hiddenLine>
             </a:ext>
             <a:ext uri="{AF507438-7753-43e0-B8FC-AC1667EBCBE1}">
-              <a14:hiddenEffects xmlns:a14="http://schemas.microsoft.com/office/drawing/2010/main" xmlns="">
+              <a14:hiddenEffects xmlns="" xmlns:a14="http://schemas.microsoft.com/office/drawing/2010/main">
                 <a:effectLst>
                   <a:outerShdw dist="35921" dir="2700000" algn="ctr" rotWithShape="0">
                     <a:schemeClr val="bg2"/>
@@ -28698,7 +28658,7 @@
           <a:p>
             <a:fld id="{4CA8BA9D-99E2-4936-9A28-F0B802BA4A51}" type="datetime1">
               <a:rPr lang="es-ES" smtClean="0"/>
-              <a:t>09/03/2014</a:t>
+              <a:t>16/03/2014</a:t>
             </a:fld>
             <a:endParaRPr lang="es-ES"/>
           </a:p>
@@ -29040,7 +29000,7 @@
           <a:p>
             <a:fld id="{137592C8-6300-4C5F-91F9-5F5B480E14AD}" type="datetime1">
               <a:rPr lang="es-ES" smtClean="0"/>
-              <a:t>09/03/2014</a:t>
+              <a:t>16/03/2014</a:t>
             </a:fld>
             <a:endParaRPr lang="es-ES"/>
           </a:p>
@@ -29210,7 +29170,7 @@
           <a:p>
             <a:fld id="{DE9366A2-700D-47AE-A358-0BCA6FE3ABDA}" type="datetime1">
               <a:rPr lang="es-ES" smtClean="0"/>
-              <a:t>09/03/2014</a:t>
+              <a:t>16/03/2014</a:t>
             </a:fld>
             <a:endParaRPr lang="es-ES"/>
           </a:p>
@@ -29359,14 +29319,14 @@
           <a:effectLst/>
           <a:extLst>
             <a:ext uri="{909E8E84-426E-40dd-AFC4-6F175D3DCCD1}">
-              <a14:hiddenFill xmlns:a14="http://schemas.microsoft.com/office/drawing/2010/main" xmlns="">
+              <a14:hiddenFill xmlns="" xmlns:a14="http://schemas.microsoft.com/office/drawing/2010/main">
                 <a:solidFill>
                   <a:schemeClr val="accent1"/>
                 </a:solidFill>
               </a14:hiddenFill>
             </a:ext>
             <a:ext uri="{91240B29-F687-4f45-9708-019B960494DF}">
-              <a14:hiddenLine xmlns:a14="http://schemas.microsoft.com/office/drawing/2010/main" xmlns="" w="9525">
+              <a14:hiddenLine xmlns="" xmlns:a14="http://schemas.microsoft.com/office/drawing/2010/main" w="9525">
                 <a:solidFill>
                   <a:schemeClr val="tx1"/>
                 </a:solidFill>
@@ -29376,7 +29336,7 @@
               </a14:hiddenLine>
             </a:ext>
             <a:ext uri="{AF507438-7753-43e0-B8FC-AC1667EBCBE1}">
-              <a14:hiddenEffects xmlns:a14="http://schemas.microsoft.com/office/drawing/2010/main" xmlns="">
+              <a14:hiddenEffects xmlns="" xmlns:a14="http://schemas.microsoft.com/office/drawing/2010/main">
                 <a:effectLst>
                   <a:outerShdw dist="35921" dir="2700000" algn="ctr" rotWithShape="0">
                     <a:schemeClr val="bg2"/>
@@ -29404,7 +29364,7 @@
           <a:p>
             <a:fld id="{1731E85A-AB2C-41C0-9BC5-3D76BF2DFC69}" type="datetime1">
               <a:rPr lang="es-ES" smtClean="0"/>
-              <a:t>09/03/2014</a:t>
+              <a:t>16/03/2014</a:t>
             </a:fld>
             <a:endParaRPr lang="es-ES"/>
           </a:p>
@@ -29589,7 +29549,7 @@
           <a:p>
             <a:fld id="{DA417B1E-12AE-46B3-9BD2-AA5B852E290C}" type="datetime1">
               <a:rPr lang="es-ES" smtClean="0"/>
-              <a:t>09/03/2014</a:t>
+              <a:t>16/03/2014</a:t>
             </a:fld>
             <a:endParaRPr lang="es-ES"/>
           </a:p>
@@ -29663,7 +29623,7 @@
 </file>
 
 <file path=ppt/slides/slide5.xml><?xml version="1.0" encoding="utf-8"?>
-<p:sld xmlns:a="http://schemas.openxmlformats.org/drawingml/2006/main" xmlns:r="http://schemas.openxmlformats.org/officeDocument/2006/relationships" xmlns:p="http://schemas.openxmlformats.org/presentationml/2006/main">
+<p:sld xmlns:a="http://schemas.openxmlformats.org/drawingml/2006/main" xmlns:r="http://schemas.openxmlformats.org/officeDocument/2006/relationships" xmlns:p="http://schemas.openxmlformats.org/presentationml/2006/main" show="0">
   <p:cSld>
     <p:spTree>
       <p:nvGrpSpPr>
@@ -29816,7 +29776,7 @@
           <a:p>
             <a:fld id="{4EB6CE1D-C860-49A7-B1CB-1170FB507CFA}" type="datetime1">
               <a:rPr lang="es-ES" smtClean="0"/>
-              <a:t>09/03/2014</a:t>
+              <a:t>16/03/2014</a:t>
             </a:fld>
             <a:endParaRPr lang="es-ES"/>
           </a:p>
@@ -29879,6 +29839,14 @@
   <p:clrMapOvr>
     <a:masterClrMapping/>
   </p:clrMapOvr>
+  <mc:AlternateContent xmlns:mc="http://schemas.openxmlformats.org/markup-compatibility/2006">
+    <mc:Choice xmlns:p14="http://schemas.microsoft.com/office/powerpoint/2010/main" Requires="p14">
+      <p:transition spd="slow" p14:dur="2000"/>
+    </mc:Choice>
+    <mc:Fallback>
+      <p:transition spd="slow"/>
+    </mc:Fallback>
+  </mc:AlternateContent>
   <p:timing>
     <p:tnLst>
       <p:par>
@@ -29984,14 +29952,14 @@
           <a:effectLst/>
           <a:extLst>
             <a:ext uri="{909E8E84-426E-40dd-AFC4-6F175D3DCCD1}">
-              <a14:hiddenFill xmlns:a14="http://schemas.microsoft.com/office/drawing/2010/main" xmlns="">
+              <a14:hiddenFill xmlns="" xmlns:a14="http://schemas.microsoft.com/office/drawing/2010/main">
                 <a:solidFill>
                   <a:schemeClr val="accent1"/>
                 </a:solidFill>
               </a14:hiddenFill>
             </a:ext>
             <a:ext uri="{91240B29-F687-4f45-9708-019B960494DF}">
-              <a14:hiddenLine xmlns:a14="http://schemas.microsoft.com/office/drawing/2010/main" xmlns="" w="9525">
+              <a14:hiddenLine xmlns="" xmlns:a14="http://schemas.microsoft.com/office/drawing/2010/main" w="9525">
                 <a:solidFill>
                   <a:schemeClr val="tx1"/>
                 </a:solidFill>
@@ -30001,7 +29969,7 @@
               </a14:hiddenLine>
             </a:ext>
             <a:ext uri="{AF507438-7753-43e0-B8FC-AC1667EBCBE1}">
-              <a14:hiddenEffects xmlns:a14="http://schemas.microsoft.com/office/drawing/2010/main" xmlns="">
+              <a14:hiddenEffects xmlns="" xmlns:a14="http://schemas.microsoft.com/office/drawing/2010/main">
                 <a:effectLst>
                   <a:outerShdw dist="35921" dir="2700000" algn="ctr" rotWithShape="0">
                     <a:schemeClr val="bg2"/>
@@ -30029,7 +29997,7 @@
           <a:p>
             <a:fld id="{4CA3767A-4CAD-42A3-AC32-E7581E7ED188}" type="datetime1">
               <a:rPr lang="es-ES" smtClean="0"/>
-              <a:t>09/03/2014</a:t>
+              <a:t>16/03/2014</a:t>
             </a:fld>
             <a:endParaRPr lang="es-ES"/>
           </a:p>
@@ -30297,7 +30265,7 @@
           <a:noFill/>
           <a:extLst>
             <a:ext uri="{909E8E84-426E-40dd-AFC4-6F175D3DCCD1}">
-              <a14:hiddenFill xmlns:a14="http://schemas.microsoft.com/office/drawing/2010/main" xmlns="">
+              <a14:hiddenFill xmlns="" xmlns:a14="http://schemas.microsoft.com/office/drawing/2010/main">
                 <a:solidFill>
                   <a:srgbClr val="FFFFFF"/>
                 </a:solidFill>
@@ -30338,7 +30306,7 @@
           <a:noFill/>
           <a:extLst>
             <a:ext uri="{909E8E84-426E-40dd-AFC4-6F175D3DCCD1}">
-              <a14:hiddenFill xmlns:a14="http://schemas.microsoft.com/office/drawing/2010/main" xmlns="">
+              <a14:hiddenFill xmlns="" xmlns:a14="http://schemas.microsoft.com/office/drawing/2010/main">
                 <a:solidFill>
                   <a:srgbClr val="FFFFFF"/>
                 </a:solidFill>
@@ -30379,7 +30347,7 @@
           <a:noFill/>
           <a:extLst>
             <a:ext uri="{909E8E84-426E-40dd-AFC4-6F175D3DCCD1}">
-              <a14:hiddenFill xmlns:a14="http://schemas.microsoft.com/office/drawing/2010/main" xmlns="">
+              <a14:hiddenFill xmlns="" xmlns:a14="http://schemas.microsoft.com/office/drawing/2010/main">
                 <a:solidFill>
                   <a:srgbClr val="FFFFFF"/>
                 </a:solidFill>
@@ -30420,7 +30388,7 @@
           <a:noFill/>
           <a:extLst>
             <a:ext uri="{909E8E84-426E-40dd-AFC4-6F175D3DCCD1}">
-              <a14:hiddenFill xmlns:a14="http://schemas.microsoft.com/office/drawing/2010/main" xmlns="">
+              <a14:hiddenFill xmlns="" xmlns:a14="http://schemas.microsoft.com/office/drawing/2010/main">
                 <a:solidFill>
                   <a:srgbClr val="FFFFFF"/>
                 </a:solidFill>
@@ -30461,7 +30429,7 @@
           <a:noFill/>
           <a:extLst>
             <a:ext uri="{909E8E84-426E-40dd-AFC4-6F175D3DCCD1}">
-              <a14:hiddenFill xmlns:a14="http://schemas.microsoft.com/office/drawing/2010/main" xmlns="">
+              <a14:hiddenFill xmlns="" xmlns:a14="http://schemas.microsoft.com/office/drawing/2010/main">
                 <a:solidFill>
                   <a:srgbClr val="FFFFFF"/>
                 </a:solidFill>
@@ -30487,7 +30455,7 @@
           <a:p>
             <a:fld id="{591BFE71-C419-4424-815D-3FD30837360B}" type="datetime1">
               <a:rPr lang="es-ES" smtClean="0"/>
-              <a:t>09/03/2014</a:t>
+              <a:t>16/03/2014</a:t>
             </a:fld>
             <a:endParaRPr lang="es-ES"/>
           </a:p>
@@ -30729,14 +30697,14 @@
           <a:effectLst/>
           <a:extLst>
             <a:ext uri="{909E8E84-426E-40dd-AFC4-6F175D3DCCD1}">
-              <a14:hiddenFill xmlns:a14="http://schemas.microsoft.com/office/drawing/2010/main" xmlns="">
+              <a14:hiddenFill xmlns="" xmlns:a14="http://schemas.microsoft.com/office/drawing/2010/main">
                 <a:solidFill>
                   <a:schemeClr val="accent1"/>
                 </a:solidFill>
               </a14:hiddenFill>
             </a:ext>
             <a:ext uri="{91240B29-F687-4f45-9708-019B960494DF}">
-              <a14:hiddenLine xmlns:a14="http://schemas.microsoft.com/office/drawing/2010/main" xmlns="" w="9525">
+              <a14:hiddenLine xmlns="" xmlns:a14="http://schemas.microsoft.com/office/drawing/2010/main" w="9525">
                 <a:solidFill>
                   <a:schemeClr val="tx1"/>
                 </a:solidFill>
@@ -30746,7 +30714,7 @@
               </a14:hiddenLine>
             </a:ext>
             <a:ext uri="{AF507438-7753-43e0-B8FC-AC1667EBCBE1}">
-              <a14:hiddenEffects xmlns:a14="http://schemas.microsoft.com/office/drawing/2010/main" xmlns="">
+              <a14:hiddenEffects xmlns="" xmlns:a14="http://schemas.microsoft.com/office/drawing/2010/main">
                 <a:effectLst>
                   <a:outerShdw dist="35921" dir="2700000" algn="ctr" rotWithShape="0">
                     <a:schemeClr val="bg2"/>
@@ -30774,7 +30742,7 @@
           <a:p>
             <a:fld id="{29D14FFE-B843-4251-BAFD-8644186BA01A}" type="datetime1">
               <a:rPr lang="es-ES" smtClean="0"/>
-              <a:t>09/03/2014</a:t>
+              <a:t>16/03/2014</a:t>
             </a:fld>
             <a:endParaRPr lang="es-ES"/>
           </a:p>
@@ -30923,14 +30891,14 @@
           <a:effectLst/>
           <a:extLst>
             <a:ext uri="{909E8E84-426E-40dd-AFC4-6F175D3DCCD1}">
-              <a14:hiddenFill xmlns:a14="http://schemas.microsoft.com/office/drawing/2010/main" xmlns="">
+              <a14:hiddenFill xmlns="" xmlns:a14="http://schemas.microsoft.com/office/drawing/2010/main">
                 <a:solidFill>
                   <a:schemeClr val="accent1"/>
                 </a:solidFill>
               </a14:hiddenFill>
             </a:ext>
             <a:ext uri="{91240B29-F687-4f45-9708-019B960494DF}">
-              <a14:hiddenLine xmlns:a14="http://schemas.microsoft.com/office/drawing/2010/main" xmlns="" w="9525">
+              <a14:hiddenLine xmlns="" xmlns:a14="http://schemas.microsoft.com/office/drawing/2010/main" w="9525">
                 <a:solidFill>
                   <a:schemeClr val="tx1"/>
                 </a:solidFill>
@@ -30940,7 +30908,7 @@
               </a14:hiddenLine>
             </a:ext>
             <a:ext uri="{AF507438-7753-43e0-B8FC-AC1667EBCBE1}">
-              <a14:hiddenEffects xmlns:a14="http://schemas.microsoft.com/office/drawing/2010/main" xmlns="">
+              <a14:hiddenEffects xmlns="" xmlns:a14="http://schemas.microsoft.com/office/drawing/2010/main">
                 <a:effectLst>
                   <a:outerShdw dist="35921" dir="2700000" algn="ctr" rotWithShape="0">
                     <a:schemeClr val="bg2"/>
@@ -30968,7 +30936,7 @@
           <a:p>
             <a:fld id="{6B558992-F374-4CCF-B414-5A13B0856FC3}" type="datetime1">
               <a:rPr lang="es-ES" smtClean="0"/>
-              <a:t>09/03/2014</a:t>
+              <a:t>16/03/2014</a:t>
             </a:fld>
             <a:endParaRPr lang="es-ES"/>
           </a:p>
